--- a/AISE-G25.pptx
+++ b/AISE-G25.pptx
@@ -45,33 +45,33 @@
   <p:notesSz cx="6858000" cy="9144000"/>
   <p:embeddedFontLst>
     <p:embeddedFont>
+      <p:font typeface="Calibri" panose="020F0502020204030204" pitchFamily="34" charset="0"/>
+      <p:regular r:id="rId35"/>
+      <p:bold r:id="rId36"/>
+      <p:italic r:id="rId37"/>
+      <p:boldItalic r:id="rId38"/>
+    </p:embeddedFont>
+    <p:embeddedFont>
+      <p:font typeface="Microsoft JhengHei" panose="020B0604030504040204" pitchFamily="34" charset="-120"/>
+      <p:regular r:id="rId39"/>
+      <p:bold r:id="rId40"/>
+    </p:embeddedFont>
+    <p:embeddedFont>
+      <p:font typeface="Yu Gothic Medium" panose="020B0500000000000000" pitchFamily="34" charset="-128"/>
+      <p:regular r:id="rId41"/>
+    </p:embeddedFont>
+    <p:embeddedFont>
+      <p:font typeface="Yu Gothic UI Semibold" panose="020B0700000000000000" pitchFamily="34" charset="-128"/>
+      <p:bold r:id="rId42"/>
+    </p:embeddedFont>
+    <p:embeddedFont>
       <p:font typeface="方正正黑简体" panose="02010600030101010101" charset="-122"/>
-      <p:regular r:id="rId35"/>
+      <p:regular r:id="rId43"/>
     </p:embeddedFont>
     <p:embeddedFont>
       <p:font typeface="微软雅黑" panose="020B0503020204020204" pitchFamily="34" charset="-122"/>
-      <p:regular r:id="rId36"/>
-      <p:bold r:id="rId37"/>
-    </p:embeddedFont>
-    <p:embeddedFont>
-      <p:font typeface="Yu Gothic UI Semibold" panose="020B0700000000000000" pitchFamily="34" charset="-128"/>
-      <p:bold r:id="rId38"/>
-    </p:embeddedFont>
-    <p:embeddedFont>
-      <p:font typeface="Calibri" panose="020F0502020204030204" pitchFamily="34" charset="0"/>
-      <p:regular r:id="rId39"/>
-      <p:bold r:id="rId40"/>
-      <p:italic r:id="rId41"/>
-      <p:boldItalic r:id="rId42"/>
-    </p:embeddedFont>
-    <p:embeddedFont>
-      <p:font typeface="Microsoft JhengHei" panose="020B0604030504040204" pitchFamily="34" charset="-120"/>
-      <p:regular r:id="rId43"/>
-      <p:bold r:id="rId44"/>
-    </p:embeddedFont>
-    <p:embeddedFont>
-      <p:font typeface="Yu Gothic Medium" panose="020B0500000000000000" pitchFamily="34" charset="-128"/>
-      <p:regular r:id="rId45"/>
+      <p:regular r:id="rId44"/>
+      <p:bold r:id="rId45"/>
     </p:embeddedFont>
     <p:embeddedFont>
       <p:font typeface="方正正纤黑简体" panose="02010600030101010101" charset="-122"/>
@@ -338,7 +338,7 @@
               <a:pPr>
                 <a:defRPr/>
               </a:pPr>
-              <a:t>2017/10/29</a:t>
+              <a:t>2017/10/30</a:t>
             </a:fld>
             <a:endParaRPr lang="zh-CN" altLang="en-US"/>
           </a:p>
@@ -4812,7 +4812,7 @@
             </a:pPr>
             <a:r>
               <a:rPr lang="zh-CN" altLang="en-US" dirty="0" smtClean="0"/>
-              <a:t>在实验中，作者定义了两个指标来评估实验中的推荐结果，分别是推荐</a:t>
+              <a:t>这篇论文的目的是像用户推荐多样化和新颖的</a:t>
             </a:r>
             <a:r>
               <a:rPr lang="en-US" altLang="zh-CN" dirty="0" smtClean="0"/>
@@ -4820,7 +4820,39 @@
             </a:r>
             <a:r>
               <a:rPr lang="zh-CN" altLang="en-US" dirty="0" smtClean="0"/>
-              <a:t>的新颖度和多样性，第一个是标准化项目新颖度，</a:t>
+              <a:t>，所以在</a:t>
+            </a:r>
+            <a:r>
+              <a:rPr lang="zh-CN" altLang="en-US" dirty="0" smtClean="0"/>
+              <a:t>实验中，作者定义了两个指标来评估实验中的推荐结果，分别是推荐</a:t>
+            </a:r>
+            <a:r>
+              <a:rPr lang="en-US" altLang="zh-CN" dirty="0" smtClean="0"/>
+              <a:t>app</a:t>
+            </a:r>
+            <a:r>
+              <a:rPr lang="zh-CN" altLang="en-US" dirty="0" smtClean="0"/>
+              <a:t>的新颖度和多样性，第一个是标准化项目新颖度</a:t>
+            </a:r>
+            <a:r>
+              <a:rPr lang="zh-CN" altLang="en-US" dirty="0" smtClean="0"/>
+              <a:t>，新颖度是根据推荐</a:t>
+            </a:r>
+            <a:r>
+              <a:rPr lang="en-US" altLang="zh-CN" dirty="0" smtClean="0"/>
+              <a:t>app</a:t>
+            </a:r>
+            <a:r>
+              <a:rPr lang="zh-CN" altLang="en-US" dirty="0" smtClean="0"/>
+              <a:t>和用户已安装</a:t>
+            </a:r>
+            <a:r>
+              <a:rPr lang="en-US" altLang="zh-CN" dirty="0" smtClean="0"/>
+              <a:t>app</a:t>
+            </a:r>
+            <a:r>
+              <a:rPr lang="zh-CN" altLang="en-US" dirty="0" smtClean="0"/>
+              <a:t>之间的距离来计算，对每个距离进行标准化。</a:t>
             </a:r>
             <a:endParaRPr lang="en-US" altLang="zh-CN" dirty="0" smtClean="0"/>
           </a:p>
@@ -4836,7 +4868,15 @@
             </a:r>
             <a:r>
               <a:rPr lang="zh-CN" altLang="en-US" dirty="0" smtClean="0"/>
-              <a:t>的值越大代表越多的惊喜，也就是偶然性的</a:t>
+              <a:t>的值越大代表越多的惊喜，也</a:t>
+            </a:r>
+            <a:r>
+              <a:rPr lang="zh-CN" altLang="en-US" dirty="0" smtClean="0"/>
+              <a:t>就形成了偶然性</a:t>
+            </a:r>
+            <a:r>
+              <a:rPr lang="zh-CN" altLang="en-US" dirty="0" smtClean="0"/>
+              <a:t>的</a:t>
             </a:r>
             <a:r>
               <a:rPr lang="en-US" altLang="zh-CN" dirty="0" smtClean="0"/>
@@ -5113,6 +5153,62 @@
                 <a:spcPct val="0"/>
               </a:spcBef>
             </a:pPr>
+            <a:r>
+              <a:rPr lang="zh-CN" altLang="en-US" dirty="0" smtClean="0"/>
+              <a:t>第二个衡量的指标是，前</a:t>
+            </a:r>
+            <a:r>
+              <a:rPr lang="en-US" altLang="zh-CN" dirty="0" smtClean="0"/>
+              <a:t>N</a:t>
+            </a:r>
+            <a:r>
+              <a:rPr lang="zh-CN" altLang="en-US" dirty="0" smtClean="0"/>
+              <a:t>个推荐结果的多样性，</a:t>
+            </a:r>
+            <a:r>
+              <a:rPr lang="en-US" altLang="zh-CN" dirty="0" smtClean="0"/>
+              <a:t>u</a:t>
+            </a:r>
+            <a:r>
+              <a:rPr lang="zh-CN" altLang="en-US" dirty="0" smtClean="0"/>
+              <a:t>是指单个用户，</a:t>
+            </a:r>
+            <a:r>
+              <a:rPr lang="en-US" altLang="zh-CN" dirty="0" smtClean="0"/>
+              <a:t>U</a:t>
+            </a:r>
+            <a:r>
+              <a:rPr lang="zh-CN" altLang="en-US" dirty="0" smtClean="0"/>
+              <a:t>是所有用户集合，</a:t>
+            </a:r>
+            <a:r>
+              <a:rPr lang="en-US" altLang="zh-CN" dirty="0" smtClean="0"/>
+              <a:t>LN(u)</a:t>
+            </a:r>
+            <a:r>
+              <a:rPr lang="zh-CN" altLang="en-US" dirty="0" smtClean="0"/>
+              <a:t>是推荐给用户</a:t>
+            </a:r>
+            <a:r>
+              <a:rPr lang="en-US" altLang="zh-CN" dirty="0" smtClean="0"/>
+              <a:t>u</a:t>
+            </a:r>
+            <a:r>
+              <a:rPr lang="zh-CN" altLang="en-US" dirty="0" smtClean="0"/>
+              <a:t>的</a:t>
+            </a:r>
+            <a:r>
+              <a:rPr lang="en-US" altLang="zh-CN" dirty="0" smtClean="0"/>
+              <a:t>N</a:t>
+            </a:r>
+            <a:r>
+              <a:rPr lang="zh-CN" altLang="en-US" dirty="0" smtClean="0"/>
+              <a:t>个</a:t>
+            </a:r>
+            <a:r>
+              <a:rPr lang="en-US" altLang="zh-CN" dirty="0" smtClean="0"/>
+              <a:t>app</a:t>
+            </a:r>
             <a:endParaRPr lang="zh-CN" altLang="en-US" dirty="0"/>
           </a:p>
         </p:txBody>
@@ -5380,7 +5476,91 @@
                 <a:spcPct val="0"/>
               </a:spcBef>
             </a:pPr>
-            <a:endParaRPr lang="zh-CN" altLang="en-US"/>
+            <a:r>
+              <a:rPr lang="zh-CN" altLang="en-US" dirty="0" smtClean="0"/>
+              <a:t>实验以协同过滤的推荐方法作为比较。协同过滤的方法是通过计算。。。。</a:t>
+            </a:r>
+            <a:endParaRPr lang="en-US" altLang="zh-CN" dirty="0" smtClean="0"/>
+          </a:p>
+          <a:p>
+            <a:pPr>
+              <a:spcBef>
+                <a:spcPct val="0"/>
+              </a:spcBef>
+            </a:pPr>
+            <a:r>
+              <a:rPr lang="zh-CN" altLang="en-US" dirty="0" smtClean="0"/>
+              <a:t>在实验中，将相似度限制设置为</a:t>
+            </a:r>
+            <a:r>
+              <a:rPr lang="en-US" altLang="zh-CN" dirty="0" smtClean="0"/>
+              <a:t>0.4</a:t>
+            </a:r>
+            <a:r>
+              <a:rPr lang="zh-CN" altLang="en-US" dirty="0" smtClean="0"/>
+              <a:t>，选择相似度低于</a:t>
+            </a:r>
+            <a:r>
+              <a:rPr lang="en-US" altLang="zh-CN" dirty="0" smtClean="0"/>
+              <a:t>0.4</a:t>
+            </a:r>
+            <a:r>
+              <a:rPr lang="zh-CN" altLang="en-US" dirty="0" smtClean="0"/>
+              <a:t>的</a:t>
+            </a:r>
+            <a:r>
+              <a:rPr lang="en-US" altLang="zh-CN" dirty="0" smtClean="0"/>
+              <a:t>app</a:t>
+            </a:r>
+            <a:r>
+              <a:rPr lang="zh-CN" altLang="en-US" dirty="0" smtClean="0"/>
+              <a:t>作为候选推荐。</a:t>
+            </a:r>
+            <a:endParaRPr lang="en-US" altLang="zh-CN" dirty="0" smtClean="0"/>
+          </a:p>
+          <a:p>
+            <a:pPr>
+              <a:spcBef>
+                <a:spcPct val="0"/>
+              </a:spcBef>
+            </a:pPr>
+            <a:r>
+              <a:rPr lang="zh-CN" altLang="en-US" dirty="0" smtClean="0"/>
+              <a:t>实验分别测试了推荐</a:t>
+            </a:r>
+            <a:r>
+              <a:rPr lang="en-US" altLang="zh-CN" dirty="0" smtClean="0"/>
+              <a:t>5</a:t>
+            </a:r>
+            <a:r>
+              <a:rPr lang="zh-CN" altLang="en-US" dirty="0" smtClean="0"/>
+              <a:t>个，</a:t>
+            </a:r>
+            <a:r>
+              <a:rPr lang="en-US" altLang="zh-CN" dirty="0" smtClean="0"/>
+              <a:t>10</a:t>
+            </a:r>
+            <a:r>
+              <a:rPr lang="zh-CN" altLang="en-US" dirty="0" smtClean="0"/>
+              <a:t>个，和</a:t>
+            </a:r>
+            <a:r>
+              <a:rPr lang="en-US" altLang="zh-CN" dirty="0" smtClean="0"/>
+              <a:t>20</a:t>
+            </a:r>
+            <a:r>
+              <a:rPr lang="zh-CN" altLang="en-US" dirty="0" smtClean="0"/>
+              <a:t>个</a:t>
+            </a:r>
+            <a:r>
+              <a:rPr lang="en-US" altLang="zh-CN" dirty="0" smtClean="0"/>
+              <a:t>app</a:t>
+            </a:r>
+            <a:r>
+              <a:rPr lang="zh-CN" altLang="en-US" dirty="0" smtClean="0"/>
+              <a:t>的结果</a:t>
+            </a:r>
+            <a:endParaRPr lang="zh-CN" altLang="en-US" dirty="0"/>
           </a:p>
         </p:txBody>
       </p:sp>
@@ -5647,7 +5827,7 @@
                 <a:spcPct val="0"/>
               </a:spcBef>
             </a:pPr>
-            <a:endParaRPr lang="zh-CN" altLang="en-US"/>
+            <a:endParaRPr lang="zh-CN" altLang="en-US" dirty="0"/>
           </a:p>
         </p:txBody>
       </p:sp>
@@ -6990,7 +7170,19 @@
                 <a:spcPct val="0"/>
               </a:spcBef>
             </a:pPr>
-            <a:endParaRPr lang="zh-CN" altLang="en-US"/>
+            <a:r>
+              <a:rPr lang="zh-CN" altLang="en-US" dirty="0" smtClean="0"/>
+              <a:t>文章提出一种偶然性的</a:t>
+            </a:r>
+            <a:r>
+              <a:rPr lang="en-US" altLang="zh-CN" dirty="0" smtClean="0"/>
+              <a:t>app</a:t>
+            </a:r>
+            <a:r>
+              <a:rPr lang="zh-CN" altLang="en-US" dirty="0" smtClean="0"/>
+              <a:t>推荐系统，</a:t>
+            </a:r>
+            <a:endParaRPr lang="zh-CN" altLang="en-US" dirty="0"/>
           </a:p>
         </p:txBody>
       </p:sp>
@@ -9662,7 +9854,7 @@
               <a:pPr>
                 <a:defRPr/>
               </a:pPr>
-              <a:t>2017/10/29</a:t>
+              <a:t>2017/10/30</a:t>
             </a:fld>
             <a:endParaRPr lang="zh-CN" altLang="en-US" dirty="0"/>
           </a:p>
@@ -10176,7 +10368,7 @@
               <a:pPr>
                 <a:defRPr/>
               </a:pPr>
-              <a:t>2017/10/29</a:t>
+              <a:t>2017/10/30</a:t>
             </a:fld>
             <a:endParaRPr lang="zh-CN" altLang="en-US" dirty="0"/>
           </a:p>
@@ -10378,7 +10570,7 @@
               <a:pPr>
                 <a:defRPr/>
               </a:pPr>
-              <a:t>2017/10/29</a:t>
+              <a:t>2017/10/30</a:t>
             </a:fld>
             <a:endParaRPr lang="zh-CN" altLang="en-US" dirty="0"/>
           </a:p>
@@ -10543,7 +10735,7 @@
               <a:pPr>
                 <a:defRPr/>
               </a:pPr>
-              <a:t>2017/10/29</a:t>
+              <a:t>2017/10/30</a:t>
             </a:fld>
             <a:endParaRPr lang="zh-CN" altLang="en-US" dirty="0"/>
           </a:p>
@@ -10913,7 +11105,7 @@
               <a:pPr>
                 <a:defRPr/>
               </a:pPr>
-              <a:t>2017/10/29</a:t>
+              <a:t>2017/10/30</a:t>
             </a:fld>
             <a:endParaRPr lang="zh-CN" altLang="en-US" dirty="0"/>
           </a:p>
@@ -11256,7 +11448,7 @@
               <a:pPr>
                 <a:defRPr/>
               </a:pPr>
-              <a:t>2017/10/29</a:t>
+              <a:t>2017/10/30</a:t>
             </a:fld>
             <a:endParaRPr lang="zh-CN" altLang="en-US" dirty="0"/>
           </a:p>
@@ -11544,7 +11736,7 @@
               <a:pPr>
                 <a:defRPr/>
               </a:pPr>
-              <a:t>2017/10/29</a:t>
+              <a:t>2017/10/30</a:t>
             </a:fld>
             <a:endParaRPr lang="zh-CN" altLang="en-US" dirty="0"/>
           </a:p>
@@ -11832,7 +12024,7 @@
               <a:pPr>
                 <a:defRPr/>
               </a:pPr>
-              <a:t>2017/10/29</a:t>
+              <a:t>2017/10/30</a:t>
             </a:fld>
             <a:endParaRPr lang="zh-CN" altLang="en-US" dirty="0"/>
           </a:p>
@@ -30147,11 +30339,7 @@
             </a:r>
             <a:r>
               <a:rPr lang="en-US" altLang="zh-CN" sz="1400" dirty="0"/>
-              <a:t>mobile apps by discovering highly diverse </a:t>
-            </a:r>
-            <a:r>
-              <a:rPr lang="en-US" altLang="zh-CN" sz="1400" dirty="0"/>
-              <a:t>apps</a:t>
+              <a:t>mobile apps by discovering highly diverse apps</a:t>
             </a:r>
           </a:p>
           <a:p>
@@ -30179,17 +30367,8 @@
             </a:r>
             <a:r>
               <a:rPr lang="en-US" altLang="zh-CN" sz="1400" dirty="0"/>
-              <a:t>s </a:t>
+              <a:t>s preferences from apps already installed on the </a:t>
             </a:r>
-            <a:r>
-              <a:rPr lang="en-US" altLang="zh-CN" sz="1400" dirty="0"/>
-              <a:t>preferences from </a:t>
-            </a:r>
-            <a:r>
-              <a:rPr lang="en-US" altLang="zh-CN" sz="1400" dirty="0"/>
-              <a:t>apps already installed on the </a:t>
-            </a:r>
-            <a:endParaRPr lang="en-US" altLang="zh-CN" sz="1400" dirty="0"/>
           </a:p>
           <a:p>
             <a:r>
@@ -30213,11 +30392,7 @@
             </a:r>
             <a:r>
               <a:rPr lang="en-US" altLang="zh-CN" sz="1400" dirty="0"/>
-              <a:t>mobile phone and provides </a:t>
-            </a:r>
-            <a:r>
-              <a:rPr lang="en-US" altLang="zh-CN" sz="1400" dirty="0"/>
-              <a:t>serendipitous recommendation </a:t>
+              <a:t>mobile phone and provides serendipitous recommendation </a:t>
             </a:r>
           </a:p>
           <a:p>
@@ -30227,11 +30402,7 @@
             </a:r>
             <a:r>
               <a:rPr lang="en-US" altLang="zh-CN" sz="1400" dirty="0"/>
-              <a:t>constructing app-app similarity </a:t>
-            </a:r>
-            <a:r>
-              <a:rPr lang="en-US" altLang="zh-CN" sz="1400" dirty="0"/>
-              <a:t>graph</a:t>
+              <a:t>constructing app-app similarity graph</a:t>
             </a:r>
           </a:p>
           <a:p>
